--- a/31072020-AI-ML-using-ml-dotnet/AI-ML-Microsft-Reactor.pptx
+++ b/31072020-AI-ML-using-ml-dotnet/AI-ML-Microsft-Reactor.pptx
@@ -215,7 +215,7 @@
           <a:p>
             <a:fld id="{154FEC57-6F76-4D9A-BEBF-4431325DB260}" type="datetimeFigureOut">
               <a:rPr lang="en-US" smtClean="0"/>
-              <a:t>7/18/2020</a:t>
+              <a:t>7/19/2020</a:t>
             </a:fld>
             <a:endParaRPr lang="en-US" dirty="0"/>
           </a:p>
@@ -2155,7 +2155,7 @@
           <a:p>
             <a:fld id="{48A87A34-81AB-432B-8DAE-1953F412C126}" type="datetimeFigureOut">
               <a:rPr lang="en-US" smtClean="0"/>
-              <a:t>7/18/2020</a:t>
+              <a:t>7/19/2020</a:t>
             </a:fld>
             <a:endParaRPr lang="en-US" dirty="0"/>
           </a:p>
@@ -2325,7 +2325,7 @@
           <a:p>
             <a:fld id="{48A87A34-81AB-432B-8DAE-1953F412C126}" type="datetimeFigureOut">
               <a:rPr lang="en-US" smtClean="0"/>
-              <a:t>7/18/2020</a:t>
+              <a:t>7/19/2020</a:t>
             </a:fld>
             <a:endParaRPr lang="en-US" dirty="0"/>
           </a:p>
@@ -2505,7 +2505,7 @@
           <a:p>
             <a:fld id="{48A87A34-81AB-432B-8DAE-1953F412C126}" type="datetimeFigureOut">
               <a:rPr lang="en-US" smtClean="0"/>
-              <a:t>7/18/2020</a:t>
+              <a:t>7/19/2020</a:t>
             </a:fld>
             <a:endParaRPr lang="en-US" dirty="0"/>
           </a:p>
@@ -2675,7 +2675,7 @@
           <a:p>
             <a:fld id="{48A87A34-81AB-432B-8DAE-1953F412C126}" type="datetimeFigureOut">
               <a:rPr lang="en-US" smtClean="0"/>
-              <a:t>7/18/2020</a:t>
+              <a:t>7/19/2020</a:t>
             </a:fld>
             <a:endParaRPr lang="en-US" dirty="0"/>
           </a:p>
@@ -2921,7 +2921,7 @@
           <a:p>
             <a:fld id="{48A87A34-81AB-432B-8DAE-1953F412C126}" type="datetimeFigureOut">
               <a:rPr lang="en-US" smtClean="0"/>
-              <a:t>7/18/2020</a:t>
+              <a:t>7/19/2020</a:t>
             </a:fld>
             <a:endParaRPr lang="en-US" dirty="0"/>
           </a:p>
@@ -3153,7 +3153,7 @@
           <a:p>
             <a:fld id="{48A87A34-81AB-432B-8DAE-1953F412C126}" type="datetimeFigureOut">
               <a:rPr lang="en-US" smtClean="0"/>
-              <a:t>7/18/2020</a:t>
+              <a:t>7/19/2020</a:t>
             </a:fld>
             <a:endParaRPr lang="en-US" dirty="0"/>
           </a:p>
@@ -3520,7 +3520,7 @@
           <a:p>
             <a:fld id="{48A87A34-81AB-432B-8DAE-1953F412C126}" type="datetimeFigureOut">
               <a:rPr lang="en-US" smtClean="0"/>
-              <a:t>7/18/2020</a:t>
+              <a:t>7/19/2020</a:t>
             </a:fld>
             <a:endParaRPr lang="en-US" dirty="0"/>
           </a:p>
@@ -3638,7 +3638,7 @@
           <a:p>
             <a:fld id="{48A87A34-81AB-432B-8DAE-1953F412C126}" type="datetimeFigureOut">
               <a:rPr lang="en-US" smtClean="0"/>
-              <a:t>7/18/2020</a:t>
+              <a:t>7/19/2020</a:t>
             </a:fld>
             <a:endParaRPr lang="en-US" dirty="0"/>
           </a:p>
@@ -3733,7 +3733,7 @@
           <a:p>
             <a:fld id="{48A87A34-81AB-432B-8DAE-1953F412C126}" type="datetimeFigureOut">
               <a:rPr lang="en-US" smtClean="0"/>
-              <a:t>7/18/2020</a:t>
+              <a:t>7/19/2020</a:t>
             </a:fld>
             <a:endParaRPr lang="en-US" dirty="0"/>
           </a:p>
@@ -4010,7 +4010,7 @@
           <a:p>
             <a:fld id="{48A87A34-81AB-432B-8DAE-1953F412C126}" type="datetimeFigureOut">
               <a:rPr lang="en-US" smtClean="0"/>
-              <a:t>7/18/2020</a:t>
+              <a:t>7/19/2020</a:t>
             </a:fld>
             <a:endParaRPr lang="en-US" dirty="0"/>
           </a:p>
@@ -4263,7 +4263,7 @@
           <a:p>
             <a:fld id="{48A87A34-81AB-432B-8DAE-1953F412C126}" type="datetimeFigureOut">
               <a:rPr lang="en-US" smtClean="0"/>
-              <a:t>7/18/2020</a:t>
+              <a:t>7/19/2020</a:t>
             </a:fld>
             <a:endParaRPr lang="en-US" dirty="0"/>
           </a:p>
@@ -4480,7 +4480,7 @@
             <a:fld id="{48A87A34-81AB-432B-8DAE-1953F412C126}" type="datetimeFigureOut">
               <a:rPr lang="en-US" smtClean="0"/>
               <a:pPr/>
-              <a:t>7/18/2020</a:t>
+              <a:t>7/19/2020</a:t>
             </a:fld>
             <a:endParaRPr lang="en-US" dirty="0"/>
           </a:p>
@@ -8040,12 +8040,12 @@
         <p:spPr>
           <a:xfrm>
             <a:off x="381000" y="2133600"/>
-            <a:ext cx="10295710" cy="2013857"/>
+            <a:ext cx="10295710" cy="2547257"/>
           </a:xfrm>
         </p:spPr>
         <p:txBody>
           <a:bodyPr>
-            <a:normAutofit/>
+            <a:normAutofit lnSpcReduction="10000"/>
           </a:bodyPr>
           <a:lstStyle/>
           <a:p>
@@ -8063,23 +8063,26 @@
               <a:t>: </a:t>
             </a:r>
             <a:r>
+              <a:rPr lang="en-US" dirty="0">
+                <a:hlinkClick r:id="rId3"/>
+              </a:rPr>
+              <a:t>https://</a:t>
+            </a:r>
+            <a:r>
               <a:rPr lang="en-US" dirty="0" smtClean="0">
                 <a:hlinkClick r:id="rId3"/>
               </a:rPr>
-              <a:t>https</a:t>
-            </a:r>
-            <a:r>
-              <a:rPr lang="en-US" dirty="0">
-                <a:hlinkClick r:id="rId3"/>
-              </a:rPr>
-              <a:t>://</a:t>
-            </a:r>
-            <a:r>
-              <a:rPr lang="en-US" dirty="0" smtClean="0">
-                <a:hlinkClick r:id="rId3"/>
-              </a:rPr>
-              <a:t>github.com/praveenraghuvanshi/tech-sessions</a:t>
-            </a:r>
+              <a:t>github.com/praveenraghuvanshi/tech-sessions/tree/master/31072020-AI-ML-using-ml-dotnet</a:t>
+            </a:r>
+            <a:endParaRPr lang="en-US" dirty="0" smtClean="0"/>
+          </a:p>
+          <a:p>
+            <a:pPr marL="201168" lvl="1" indent="0" fontAlgn="base">
+              <a:lnSpc>
+                <a:spcPct val="120000"/>
+              </a:lnSpc>
+              <a:buNone/>
+            </a:pPr>
             <a:endParaRPr lang="en-US" dirty="0" smtClean="0"/>
           </a:p>
           <a:p>
@@ -8089,8 +8092,12 @@
               </a:lnSpc>
             </a:pPr>
             <a:r>
+              <a:rPr lang="en-US" sz="2800" dirty="0" smtClean="0"/>
+              <a:t>Dev.to </a:t>
+            </a:r>
+            <a:r>
               <a:rPr lang="en-US" sz="2800" dirty="0"/>
-              <a:t>Dev.to : </a:t>
+              <a:t>: </a:t>
             </a:r>
             <a:r>
               <a:rPr lang="en-US" sz="2800" dirty="0">
